--- a/Training Materials/4. Spring Boot/Slides/4. Accessing Data with Spring Boot and H2/accessing-data-with-spring-boot-and-h2-slides.pptx
+++ b/Training Materials/4. Spring Boot/Slides/4. Accessing Data with Spring Boot and H2/accessing-data-with-spring-boot-and-h2-slides.pptx
@@ -5,24 +5,24 @@
     <p:sldMasterId id="2147483648" r:id="rId1"/>
   </p:sldMasterIdLst>
   <p:notesMasterIdLst>
-    <p:notesMasterId r:id="rId18"/>
+    <p:notesMasterId r:id="rId17"/>
   </p:notesMasterIdLst>
   <p:sldIdLst>
-    <p:sldId id="256" r:id="rId3"/>
-    <p:sldId id="257" r:id="rId4"/>
-    <p:sldId id="258" r:id="rId5"/>
-    <p:sldId id="259" r:id="rId6"/>
-    <p:sldId id="260" r:id="rId7"/>
-    <p:sldId id="261" r:id="rId8"/>
-    <p:sldId id="262" r:id="rId9"/>
-    <p:sldId id="263" r:id="rId10"/>
-    <p:sldId id="264" r:id="rId11"/>
-    <p:sldId id="265" r:id="rId12"/>
-    <p:sldId id="266" r:id="rId13"/>
-    <p:sldId id="267" r:id="rId14"/>
-    <p:sldId id="268" r:id="rId15"/>
-    <p:sldId id="269" r:id="rId16"/>
-    <p:sldId id="270" r:id="rId17"/>
+    <p:sldId id="256" r:id="rId2"/>
+    <p:sldId id="257" r:id="rId3"/>
+    <p:sldId id="258" r:id="rId4"/>
+    <p:sldId id="259" r:id="rId5"/>
+    <p:sldId id="260" r:id="rId6"/>
+    <p:sldId id="261" r:id="rId7"/>
+    <p:sldId id="262" r:id="rId8"/>
+    <p:sldId id="263" r:id="rId9"/>
+    <p:sldId id="264" r:id="rId10"/>
+    <p:sldId id="265" r:id="rId11"/>
+    <p:sldId id="266" r:id="rId12"/>
+    <p:sldId id="267" r:id="rId13"/>
+    <p:sldId id="268" r:id="rId14"/>
+    <p:sldId id="269" r:id="rId15"/>
+    <p:sldId id="270" r:id="rId16"/>
   </p:sldIdLst>
   <p:sldSz cx="12192000" cy="6858000"/>
   <p:notesSz cx="12192000" cy="6858000"/>
@@ -137,6 +137,14 @@
 </p:presentation>
 </file>
 
+<file path=ppt/revisionInfo.xml><?xml version="1.0" encoding="utf-8"?>
+<p1510:revInfo xmlns:a="http://schemas.openxmlformats.org/drawingml/2006/main" xmlns:r="http://schemas.openxmlformats.org/officeDocument/2006/relationships" xmlns:p1510="http://schemas.microsoft.com/office/powerpoint/2015/10/main">
+  <p1510:revLst>
+    <p1510:client id="{DCAF97D4-2020-C65A-F5FB-DB301CC426EA}" v="1" dt="2025-09-02T16:27:31.270"/>
+  </p1510:revLst>
+</p1510:revInfo>
+</file>
+
 <file path=ppt/notesMasters/notesMaster1.xml><?xml version="1.0" encoding="utf-8"?>
 <p:notesMaster xmlns:a="http://schemas.openxmlformats.org/drawingml/2006/main" xmlns:r="http://schemas.openxmlformats.org/officeDocument/2006/relationships" xmlns:p="http://schemas.openxmlformats.org/presentationml/2006/main">
   <p:cSld>
@@ -219,6 +227,7 @@
           <a:p>
             <a:fld id="{3EFD42F7-718C-4B98-AAEC-167E6DDD60A7}" type="datetimeFigureOut">
               <a:rPr lang="en-US" smtClean="0"/>
+              <a:t>9/2/2025</a:t>
             </a:fld>
             <a:endParaRPr lang="en-US"/>
           </a:p>
@@ -282,42 +291,37 @@
           <a:p>
             <a:pPr lvl="0"/>
             <a:r>
-              <a:rPr lang="en-US" smtClean="0"/>
+              <a:rPr lang="en-US"/>
               <a:t>Click to edit Master text styles</a:t>
             </a:r>
-            <a:endParaRPr lang="en-US" smtClean="0"/>
           </a:p>
           <a:p>
             <a:pPr lvl="1"/>
             <a:r>
-              <a:rPr lang="en-US" smtClean="0"/>
+              <a:rPr lang="en-US"/>
               <a:t>Second level</a:t>
             </a:r>
-            <a:endParaRPr lang="en-US" smtClean="0"/>
           </a:p>
           <a:p>
             <a:pPr lvl="2"/>
             <a:r>
-              <a:rPr lang="en-US" smtClean="0"/>
+              <a:rPr lang="en-US"/>
               <a:t>Third level</a:t>
             </a:r>
-            <a:endParaRPr lang="en-US" smtClean="0"/>
           </a:p>
           <a:p>
             <a:pPr lvl="3"/>
             <a:r>
-              <a:rPr lang="en-US" smtClean="0"/>
+              <a:rPr lang="en-US"/>
               <a:t>Fourth level</a:t>
             </a:r>
-            <a:endParaRPr lang="en-US" smtClean="0"/>
           </a:p>
           <a:p>
             <a:pPr lvl="4"/>
             <a:r>
-              <a:rPr lang="en-US" smtClean="0"/>
+              <a:rPr lang="en-US"/>
               <a:t>Fifth level</a:t>
             </a:r>
-            <a:endParaRPr lang="en-US"/>
           </a:p>
         </p:txBody>
       </p:sp>
@@ -381,6 +385,7 @@
           <a:p>
             <a:fld id="{21B2AA4F-B828-4D7C-AFD3-893933DAFCB4}" type="slidenum">
               <a:rPr lang="en-US" smtClean="0"/>
+              <a:t>‹#›</a:t>
             </a:fld>
             <a:endParaRPr lang="en-US"/>
           </a:p>
@@ -529,7 +534,9 @@
               <a:defRPr/>
             </a:lvl1pPr>
           </a:lstStyle>
-          <a:p/>
+          <a:p>
+            <a:endParaRPr/>
+          </a:p>
         </p:txBody>
       </p:sp>
       <p:sp>
@@ -560,7 +567,9 @@
               <a:defRPr/>
             </a:lvl1pPr>
           </a:lstStyle>
-          <a:p/>
+          <a:p>
+            <a:endParaRPr/>
+          </a:p>
         </p:txBody>
       </p:sp>
       <p:sp>
@@ -587,7 +596,9 @@
               </a:defRPr>
             </a:lvl1pPr>
           </a:lstStyle>
-          <a:p/>
+          <a:p>
+            <a:endParaRPr/>
+          </a:p>
         </p:txBody>
       </p:sp>
       <p:sp>
@@ -617,6 +628,7 @@
           <a:p>
             <a:fld id="{1D8BD707-D9CF-40AE-B4C6-C98DA3205C09}" type="datetimeFigureOut">
               <a:rPr lang="en-US"/>
+              <a:t>9/2/2025</a:t>
             </a:fld>
             <a:endParaRPr lang="en-US"/>
           </a:p>
@@ -649,6 +661,7 @@
           <a:p>
             <a:fld id="{B6F15528-21DE-4FAA-801E-634DDDAF4B2B}" type="slidenum">
               <a:rPr/>
+              <a:t>‹#›</a:t>
             </a:fld>
             <a:endParaRPr/>
           </a:p>
@@ -704,7 +717,9 @@
               </a:defRPr>
             </a:lvl1pPr>
           </a:lstStyle>
-          <a:p/>
+          <a:p>
+            <a:endParaRPr/>
+          </a:p>
         </p:txBody>
       </p:sp>
       <p:sp>
@@ -731,7 +746,9 @@
               </a:defRPr>
             </a:lvl1pPr>
           </a:lstStyle>
-          <a:p/>
+          <a:p>
+            <a:endParaRPr/>
+          </a:p>
         </p:txBody>
       </p:sp>
       <p:sp>
@@ -758,7 +775,9 @@
               </a:defRPr>
             </a:lvl1pPr>
           </a:lstStyle>
-          <a:p/>
+          <a:p>
+            <a:endParaRPr/>
+          </a:p>
         </p:txBody>
       </p:sp>
       <p:sp>
@@ -788,6 +807,7 @@
           <a:p>
             <a:fld id="{1D8BD707-D9CF-40AE-B4C6-C98DA3205C09}" type="datetimeFigureOut">
               <a:rPr lang="en-US"/>
+              <a:t>9/2/2025</a:t>
             </a:fld>
             <a:endParaRPr lang="en-US"/>
           </a:p>
@@ -820,6 +840,7 @@
           <a:p>
             <a:fld id="{B6F15528-21DE-4FAA-801E-634DDDAF4B2B}" type="slidenum">
               <a:rPr/>
+              <a:t>‹#›</a:t>
             </a:fld>
             <a:endParaRPr/>
           </a:p>
@@ -875,7 +896,9 @@
               </a:defRPr>
             </a:lvl1pPr>
           </a:lstStyle>
-          <a:p/>
+          <a:p>
+            <a:endParaRPr/>
+          </a:p>
         </p:txBody>
       </p:sp>
       <p:sp>
@@ -906,7 +929,9 @@
               <a:defRPr/>
             </a:lvl1pPr>
           </a:lstStyle>
-          <a:p/>
+          <a:p>
+            <a:endParaRPr/>
+          </a:p>
         </p:txBody>
       </p:sp>
       <p:sp>
@@ -937,7 +962,9 @@
               <a:defRPr/>
             </a:lvl1pPr>
           </a:lstStyle>
-          <a:p/>
+          <a:p>
+            <a:endParaRPr/>
+          </a:p>
         </p:txBody>
       </p:sp>
       <p:sp>
@@ -964,7 +991,9 @@
               </a:defRPr>
             </a:lvl1pPr>
           </a:lstStyle>
-          <a:p/>
+          <a:p>
+            <a:endParaRPr/>
+          </a:p>
         </p:txBody>
       </p:sp>
       <p:sp>
@@ -994,6 +1023,7 @@
           <a:p>
             <a:fld id="{1D8BD707-D9CF-40AE-B4C6-C98DA3205C09}" type="datetimeFigureOut">
               <a:rPr lang="en-US"/>
+              <a:t>9/2/2025</a:t>
             </a:fld>
             <a:endParaRPr lang="en-US"/>
           </a:p>
@@ -1026,6 +1056,7 @@
           <a:p>
             <a:fld id="{B6F15528-21DE-4FAA-801E-634DDDAF4B2B}" type="slidenum">
               <a:rPr/>
+              <a:t>‹#›</a:t>
             </a:fld>
             <a:endParaRPr/>
           </a:p>
@@ -1081,7 +1112,9 @@
               </a:defRPr>
             </a:lvl1pPr>
           </a:lstStyle>
-          <a:p/>
+          <a:p>
+            <a:endParaRPr/>
+          </a:p>
         </p:txBody>
       </p:sp>
       <p:sp>
@@ -1108,7 +1141,9 @@
               </a:defRPr>
             </a:lvl1pPr>
           </a:lstStyle>
-          <a:p/>
+          <a:p>
+            <a:endParaRPr/>
+          </a:p>
         </p:txBody>
       </p:sp>
       <p:sp>
@@ -1138,6 +1173,7 @@
           <a:p>
             <a:fld id="{1D8BD707-D9CF-40AE-B4C6-C98DA3205C09}" type="datetimeFigureOut">
               <a:rPr lang="en-US"/>
+              <a:t>9/2/2025</a:t>
             </a:fld>
             <a:endParaRPr lang="en-US"/>
           </a:p>
@@ -1170,6 +1206,7 @@
           <a:p>
             <a:fld id="{B6F15528-21DE-4FAA-801E-634DDDAF4B2B}" type="slidenum">
               <a:rPr/>
+              <a:t>‹#›</a:t>
             </a:fld>
             <a:endParaRPr/>
           </a:p>
@@ -1225,7 +1262,9 @@
               </a:defRPr>
             </a:lvl1pPr>
           </a:lstStyle>
-          <a:p/>
+          <a:p>
+            <a:endParaRPr/>
+          </a:p>
         </p:txBody>
       </p:sp>
       <p:sp>
@@ -1255,6 +1294,7 @@
           <a:p>
             <a:fld id="{1D8BD707-D9CF-40AE-B4C6-C98DA3205C09}" type="datetimeFigureOut">
               <a:rPr lang="en-US"/>
+              <a:t>9/2/2025</a:t>
             </a:fld>
             <a:endParaRPr lang="en-US"/>
           </a:p>
@@ -1287,6 +1327,7 @@
           <a:p>
             <a:fld id="{B6F15528-21DE-4FAA-801E-634DDDAF4B2B}" type="slidenum">
               <a:rPr/>
+              <a:t>‹#›</a:t>
             </a:fld>
             <a:endParaRPr/>
           </a:p>
@@ -1360,7 +1401,9 @@
               </a:defRPr>
             </a:lvl1pPr>
           </a:lstStyle>
-          <a:p/>
+          <a:p>
+            <a:endParaRPr/>
+          </a:p>
         </p:txBody>
       </p:sp>
       <p:sp>
@@ -1397,7 +1440,9 @@
               </a:defRPr>
             </a:lvl1pPr>
           </a:lstStyle>
-          <a:p/>
+          <a:p>
+            <a:endParaRPr/>
+          </a:p>
         </p:txBody>
       </p:sp>
       <p:sp>
@@ -1434,7 +1479,9 @@
               </a:defRPr>
             </a:lvl1pPr>
           </a:lstStyle>
-          <a:p/>
+          <a:p>
+            <a:endParaRPr/>
+          </a:p>
         </p:txBody>
       </p:sp>
       <p:sp>
@@ -1474,6 +1521,7 @@
           <a:p>
             <a:fld id="{1D8BD707-D9CF-40AE-B4C6-C98DA3205C09}" type="datetimeFigureOut">
               <a:rPr lang="en-US"/>
+              <a:t>9/2/2025</a:t>
             </a:fld>
             <a:endParaRPr lang="en-US"/>
           </a:p>
@@ -1516,6 +1564,7 @@
           <a:p>
             <a:fld id="{B6F15528-21DE-4FAA-801E-634DDDAF4B2B}" type="slidenum">
               <a:rPr/>
+              <a:t>‹#›</a:t>
             </a:fld>
             <a:endParaRPr/>
           </a:p>
@@ -1700,7 +1749,7 @@
           <p:nvPr/>
         </p:nvPicPr>
         <p:blipFill>
-          <a:blip r:embed="rId1" cstate="print"/>
+          <a:blip r:embed="rId2" cstate="print"/>
           <a:stretch>
             <a:fillRect/>
           </a:stretch>
@@ -2061,9 +2110,11 @@
         <p:spPr/>
         <p:txBody>
           <a:bodyPr/>
+          <a:lstStyle/>
           <a:p>
             <a:fld id="{B6F15528-21DE-4FAA-801E-634DDDAF4B2B}" type="slidenum">
               <a:rPr/>
+              <a:t>1</a:t>
             </a:fld>
             <a:endParaRPr/>
           </a:p>
@@ -2131,7 +2182,9 @@
         <p:txBody>
           <a:bodyPr wrap="square" lIns="0" tIns="0" rIns="0" bIns="0" rtlCol="0"/>
           <a:lstStyle/>
-          <a:p/>
+          <a:p>
+            <a:endParaRPr/>
+          </a:p>
         </p:txBody>
       </p:sp>
       <p:sp>
@@ -2547,9 +2600,11 @@
         <p:spPr/>
         <p:txBody>
           <a:bodyPr/>
+          <a:lstStyle/>
           <a:p>
             <a:fld id="{B6F15528-21DE-4FAA-801E-634DDDAF4B2B}" type="slidenum">
               <a:rPr/>
+              <a:t>10</a:t>
             </a:fld>
             <a:endParaRPr/>
           </a:p>
@@ -2587,7 +2642,7 @@
           <p:nvPr/>
         </p:nvPicPr>
         <p:blipFill>
-          <a:blip r:embed="rId1" cstate="print"/>
+          <a:blip r:embed="rId2" cstate="print"/>
           <a:stretch>
             <a:fillRect/>
           </a:stretch>
@@ -2663,7 +2718,6 @@
               <a:rPr spc="-85" dirty="0"/>
               <a:t>s</a:t>
             </a:r>
-            <a:endParaRPr spc="-85" dirty="0"/>
           </a:p>
         </p:txBody>
       </p:sp>
@@ -2680,9 +2734,11 @@
         <p:spPr/>
         <p:txBody>
           <a:bodyPr/>
+          <a:lstStyle/>
           <a:p>
             <a:fld id="{B6F15528-21DE-4FAA-801E-634DDDAF4B2B}" type="slidenum">
               <a:rPr/>
+              <a:t>11</a:t>
             </a:fld>
             <a:endParaRPr/>
           </a:p>
@@ -2758,7 +2814,9 @@
         <p:txBody>
           <a:bodyPr wrap="square" lIns="0" tIns="0" rIns="0" bIns="0" rtlCol="0"/>
           <a:lstStyle/>
-          <a:p/>
+          <a:p>
+            <a:endParaRPr/>
+          </a:p>
         </p:txBody>
       </p:sp>
       <p:sp>
@@ -3432,11 +3490,6 @@
               </a:rPr>
               <a:t>Entities</a:t>
             </a:r>
-            <a:endParaRPr spc="-30" dirty="0">
-              <a:solidFill>
-                <a:srgbClr val="404040"/>
-              </a:solidFill>
-            </a:endParaRPr>
           </a:p>
         </p:txBody>
       </p:sp>
@@ -3453,9 +3506,11 @@
         <p:spPr/>
         <p:txBody>
           <a:bodyPr/>
+          <a:lstStyle/>
           <a:p>
             <a:fld id="{B6F15528-21DE-4FAA-801E-634DDDAF4B2B}" type="slidenum">
               <a:rPr/>
+              <a:t>12</a:t>
             </a:fld>
             <a:endParaRPr/>
           </a:p>
@@ -3543,11 +3598,6 @@
               </a:rPr>
               <a:t>Scanning</a:t>
             </a:r>
-            <a:endParaRPr spc="-35" dirty="0">
-              <a:solidFill>
-                <a:srgbClr val="404040"/>
-              </a:solidFill>
-            </a:endParaRPr>
           </a:p>
         </p:txBody>
       </p:sp>
@@ -3653,7 +3703,9 @@
         <p:txBody>
           <a:bodyPr wrap="square" lIns="0" tIns="0" rIns="0" bIns="0" rtlCol="0"/>
           <a:lstStyle/>
-          <a:p/>
+          <a:p>
+            <a:endParaRPr/>
+          </a:p>
         </p:txBody>
       </p:sp>
       <p:sp>
@@ -3669,6 +3721,7 @@
         <p:spPr/>
         <p:txBody>
           <a:bodyPr/>
+          <a:lstStyle/>
           <a:p>
             <a:endParaRPr lang="en-US"/>
           </a:p>
@@ -3776,7 +3829,9 @@
         <p:txBody>
           <a:bodyPr wrap="square" lIns="0" tIns="0" rIns="0" bIns="0" rtlCol="0"/>
           <a:lstStyle/>
-          <a:p/>
+          <a:p>
+            <a:endParaRPr/>
+          </a:p>
         </p:txBody>
       </p:sp>
       <p:sp>
@@ -3881,7 +3936,9 @@
         <p:txBody>
           <a:bodyPr wrap="square" lIns="0" tIns="0" rIns="0" bIns="0" rtlCol="0"/>
           <a:lstStyle/>
-          <a:p/>
+          <a:p>
+            <a:endParaRPr/>
+          </a:p>
         </p:txBody>
       </p:sp>
       <p:sp>
@@ -3986,7 +4043,9 @@
         <p:txBody>
           <a:bodyPr wrap="square" lIns="0" tIns="0" rIns="0" bIns="0" rtlCol="0"/>
           <a:lstStyle/>
-          <a:p/>
+          <a:p>
+            <a:endParaRPr/>
+          </a:p>
         </p:txBody>
       </p:sp>
       <p:sp>
@@ -4002,9 +4061,11 @@
         <p:spPr/>
         <p:txBody>
           <a:bodyPr/>
+          <a:lstStyle/>
           <a:p>
             <a:fld id="{B6F15528-21DE-4FAA-801E-634DDDAF4B2B}" type="slidenum">
               <a:rPr/>
+              <a:t>13</a:t>
             </a:fld>
             <a:endParaRPr/>
           </a:p>
@@ -4013,7 +4074,9 @@
       <p:graphicFrame>
         <p:nvGraphicFramePr>
           <p:cNvPr id="12" name="Content Placeholder 11"/>
-          <p:cNvGraphicFramePr/>
+          <p:cNvGraphicFramePr>
+            <a:graphicFrameLocks noGrp="1"/>
+          </p:cNvGraphicFramePr>
           <p:nvPr>
             <p:ph sz="half" idx="2"/>
           </p:nvPr>
@@ -4026,21 +4089,21 @@
           <a:graphicData uri="http://schemas.openxmlformats.org/presentationml/2006/ole">
             <mc:AlternateContent xmlns:mc="http://schemas.openxmlformats.org/markup-compatibility/2006">
               <mc:Choice xmlns:v="urn:schemas-microsoft-com:vml" Requires="v">
-                <p:oleObj spid="_x0000_s13" name="" r:id="rId1" imgW="5829300" imgH="5886450" progId="Paint.Picture">
+                <p:oleObj r:id="rId2" imgW="5829300" imgH="5886450" progId="Paint.Picture">
                   <p:embed/>
                 </p:oleObj>
               </mc:Choice>
               <mc:Fallback>
-                <p:oleObj name="" r:id="rId1" imgW="5829300" imgH="5886450" progId="Paint.Picture">
+                <p:oleObj r:id="rId2" imgW="5829300" imgH="5886450" progId="Paint.Picture">
                   <p:embed/>
                   <p:pic>
                     <p:nvPicPr>
-                      <p:cNvPr id="0" name="Picture 12"/>
+                      <p:cNvPr id="12" name="Content Placeholder 11"/>
                       <p:cNvPicPr/>
                       <p:nvPr/>
                     </p:nvPicPr>
                     <p:blipFill>
-                      <a:blip r:embed="rId2"/>
+                      <a:blip r:embed="rId3"/>
                       <a:stretch>
                         <a:fillRect/>
                       </a:stretch>
@@ -4093,7 +4156,7 @@
           <p:nvPr/>
         </p:nvPicPr>
         <p:blipFill>
-          <a:blip r:embed="rId1" cstate="print"/>
+          <a:blip r:embed="rId2" cstate="print"/>
           <a:stretch>
             <a:fillRect/>
           </a:stretch>
@@ -4165,11 +4228,6 @@
               </a:rPr>
               <a:t>o</a:t>
             </a:r>
-            <a:endParaRPr spc="114" dirty="0">
-              <a:solidFill>
-                <a:srgbClr val="FFFFFF"/>
-              </a:solidFill>
-            </a:endParaRPr>
           </a:p>
         </p:txBody>
       </p:sp>
@@ -4386,9 +4444,11 @@
         <p:spPr/>
         <p:txBody>
           <a:bodyPr/>
+          <a:lstStyle/>
           <a:p>
             <a:fld id="{B6F15528-21DE-4FAA-801E-634DDDAF4B2B}" type="slidenum">
               <a:rPr/>
+              <a:t>14</a:t>
             </a:fld>
             <a:endParaRPr/>
           </a:p>
@@ -4426,7 +4486,7 @@
           <p:nvPr/>
         </p:nvPicPr>
         <p:blipFill>
-          <a:blip r:embed="rId1" cstate="print"/>
+          <a:blip r:embed="rId2" cstate="print"/>
           <a:stretch>
             <a:fillRect/>
           </a:stretch>
@@ -4682,7 +4742,6 @@
               <a:rPr spc="160" dirty="0"/>
               <a:t>JPA</a:t>
             </a:r>
-            <a:endParaRPr spc="160" dirty="0"/>
           </a:p>
           <a:p>
             <a:pPr marL="3329305">
@@ -4697,7 +4756,6 @@
               <a:rPr spc="15" dirty="0"/>
               <a:t>Entities</a:t>
             </a:r>
-            <a:endParaRPr spc="15" dirty="0"/>
           </a:p>
           <a:p>
             <a:pPr marL="3329305">
@@ -4736,7 +4794,6 @@
               <a:rPr spc="25" dirty="0"/>
               <a:t>Repositories</a:t>
             </a:r>
-            <a:endParaRPr spc="25" dirty="0"/>
           </a:p>
         </p:txBody>
       </p:sp>
@@ -4799,9 +4856,11 @@
         <p:spPr/>
         <p:txBody>
           <a:bodyPr/>
+          <a:lstStyle/>
           <a:p>
             <a:fld id="{B6F15528-21DE-4FAA-801E-634DDDAF4B2B}" type="slidenum">
               <a:rPr/>
+              <a:t>15</a:t>
             </a:fld>
             <a:endParaRPr/>
           </a:p>
@@ -4839,7 +4898,7 @@
           <p:nvPr/>
         </p:nvPicPr>
         <p:blipFill>
-          <a:blip r:embed="rId1" cstate="print"/>
+          <a:blip r:embed="rId2" cstate="print"/>
           <a:stretch>
             <a:fillRect/>
           </a:stretch>
@@ -5155,11 +5214,6 @@
               </a:rPr>
               <a:t>Overview</a:t>
             </a:r>
-            <a:endParaRPr spc="-25" dirty="0">
-              <a:solidFill>
-                <a:srgbClr val="FFFFFF"/>
-              </a:solidFill>
-            </a:endParaRPr>
           </a:p>
         </p:txBody>
       </p:sp>
@@ -5176,9 +5230,11 @@
         <p:spPr/>
         <p:txBody>
           <a:bodyPr/>
+          <a:lstStyle/>
           <a:p>
             <a:fld id="{B6F15528-21DE-4FAA-801E-634DDDAF4B2B}" type="slidenum">
               <a:rPr/>
+              <a:t>2</a:t>
             </a:fld>
             <a:endParaRPr/>
           </a:p>
@@ -5216,7 +5272,7 @@
           <p:nvPr/>
         </p:nvPicPr>
         <p:blipFill>
-          <a:blip r:embed="rId1" cstate="print"/>
+          <a:blip r:embed="rId2" cstate="print"/>
           <a:stretch>
             <a:fillRect/>
           </a:stretch>
@@ -5272,7 +5328,6 @@
               <a:rPr spc="-20" dirty="0"/>
               <a:t>Database</a:t>
             </a:r>
-            <a:endParaRPr spc="-20" dirty="0"/>
           </a:p>
         </p:txBody>
       </p:sp>
@@ -5289,9 +5344,11 @@
         <p:spPr/>
         <p:txBody>
           <a:bodyPr/>
+          <a:lstStyle/>
           <a:p>
             <a:fld id="{B6F15528-21DE-4FAA-801E-634DDDAF4B2B}" type="slidenum">
               <a:rPr/>
+              <a:t>3</a:t>
             </a:fld>
             <a:endParaRPr/>
           </a:p>
@@ -5367,7 +5424,9 @@
         <p:txBody>
           <a:bodyPr wrap="square" lIns="0" tIns="0" rIns="0" bIns="0" rtlCol="0"/>
           <a:lstStyle/>
-          <a:p/>
+          <a:p>
+            <a:endParaRPr/>
+          </a:p>
         </p:txBody>
       </p:sp>
       <p:sp>
@@ -5415,7 +5474,9 @@
         <p:txBody>
           <a:bodyPr wrap="square" lIns="0" tIns="0" rIns="0" bIns="0" rtlCol="0"/>
           <a:lstStyle/>
-          <a:p/>
+          <a:p>
+            <a:endParaRPr/>
+          </a:p>
         </p:txBody>
       </p:sp>
       <p:sp>
@@ -5463,7 +5524,9 @@
         <p:txBody>
           <a:bodyPr wrap="square" lIns="0" tIns="0" rIns="0" bIns="0" rtlCol="0"/>
           <a:lstStyle/>
-          <a:p/>
+          <a:p>
+            <a:endParaRPr/>
+          </a:p>
         </p:txBody>
       </p:sp>
       <p:sp>
@@ -5511,7 +5574,9 @@
         <p:txBody>
           <a:bodyPr wrap="square" lIns="0" tIns="0" rIns="0" bIns="0" rtlCol="0"/>
           <a:lstStyle/>
-          <a:p/>
+          <a:p>
+            <a:endParaRPr/>
+          </a:p>
         </p:txBody>
       </p:sp>
       <p:sp>
@@ -5717,11 +5782,6 @@
               </a:rPr>
               <a:t>Database</a:t>
             </a:r>
-            <a:endParaRPr spc="-40" dirty="0">
-              <a:solidFill>
-                <a:srgbClr val="404040"/>
-              </a:solidFill>
-            </a:endParaRPr>
           </a:p>
         </p:txBody>
       </p:sp>
@@ -6220,7 +6280,7 @@
           <p:nvPr/>
         </p:nvPicPr>
         <p:blipFill>
-          <a:blip r:embed="rId1" cstate="print"/>
+          <a:blip r:embed="rId2" cstate="print"/>
           <a:stretch>
             <a:fillRect/>
           </a:stretch>
@@ -6242,7 +6302,7 @@
           <p:nvPr/>
         </p:nvPicPr>
         <p:blipFill>
-          <a:blip r:embed="rId2" cstate="print"/>
+          <a:blip r:embed="rId3" cstate="print"/>
           <a:stretch>
             <a:fillRect/>
           </a:stretch>
@@ -6264,7 +6324,7 @@
           <p:nvPr/>
         </p:nvPicPr>
         <p:blipFill>
-          <a:blip r:embed="rId3" cstate="print"/>
+          <a:blip r:embed="rId4" cstate="print"/>
           <a:stretch>
             <a:fillRect/>
           </a:stretch>
@@ -6286,7 +6346,7 @@
           <p:nvPr/>
         </p:nvPicPr>
         <p:blipFill>
-          <a:blip r:embed="rId4" cstate="print"/>
+          <a:blip r:embed="rId5" cstate="print"/>
           <a:stretch>
             <a:fillRect/>
           </a:stretch>
@@ -6314,9 +6374,11 @@
         <p:spPr/>
         <p:txBody>
           <a:bodyPr/>
+          <a:lstStyle/>
           <a:p>
             <a:fld id="{B6F15528-21DE-4FAA-801E-634DDDAF4B2B}" type="slidenum">
               <a:rPr/>
+              <a:t>4</a:t>
             </a:fld>
             <a:endParaRPr/>
           </a:p>
@@ -6384,7 +6446,9 @@
         <p:txBody>
           <a:bodyPr wrap="square" lIns="0" tIns="0" rIns="0" bIns="0" rtlCol="0"/>
           <a:lstStyle/>
-          <a:p/>
+          <a:p>
+            <a:endParaRPr/>
+          </a:p>
         </p:txBody>
       </p:sp>
       <p:sp>
@@ -6804,9 +6868,11 @@
         <p:spPr/>
         <p:txBody>
           <a:bodyPr/>
+          <a:lstStyle/>
           <a:p>
             <a:fld id="{B6F15528-21DE-4FAA-801E-634DDDAF4B2B}" type="slidenum">
               <a:rPr/>
+              <a:t>5</a:t>
             </a:fld>
             <a:endParaRPr/>
           </a:p>
@@ -6882,31 +6948,11 @@
         <p:txBody>
           <a:bodyPr wrap="square" lIns="0" tIns="0" rIns="0" bIns="0" rtlCol="0"/>
           <a:lstStyle/>
-          <a:p/>
-        </p:txBody>
-      </p:sp>
-      <p:pic>
-        <p:nvPicPr>
-          <p:cNvPr id="3" name="object 3"/>
-          <p:cNvPicPr/>
-          <p:nvPr/>
-        </p:nvPicPr>
-        <p:blipFill>
-          <a:blip r:embed="rId1" cstate="print"/>
-          <a:stretch>
-            <a:fillRect/>
-          </a:stretch>
-        </p:blipFill>
-        <p:spPr>
-          <a:xfrm>
-            <a:off x="11494007" y="6184391"/>
-            <a:ext cx="454151" cy="451104"/>
-          </a:xfrm>
-          <a:prstGeom prst="rect">
-            <a:avLst/>
-          </a:prstGeom>
-        </p:spPr>
-      </p:pic>
+          <a:p>
+            <a:endParaRPr/>
+          </a:p>
+        </p:txBody>
+      </p:sp>
       <p:sp>
         <p:nvSpPr>
           <p:cNvPr id="4" name="object 4"/>
@@ -7194,11 +7240,6 @@
               </a:rPr>
               <a:t>Defaults</a:t>
             </a:r>
-            <a:endParaRPr spc="-50" dirty="0">
-              <a:solidFill>
-                <a:srgbClr val="404040"/>
-              </a:solidFill>
-            </a:endParaRPr>
           </a:p>
         </p:txBody>
       </p:sp>
@@ -7215,9 +7256,11 @@
         <p:spPr/>
         <p:txBody>
           <a:bodyPr/>
+          <a:lstStyle/>
           <a:p>
             <a:fld id="{B6F15528-21DE-4FAA-801E-634DDDAF4B2B}" type="slidenum">
               <a:rPr/>
+              <a:t>6</a:t>
             </a:fld>
             <a:endParaRPr/>
           </a:p>
@@ -7293,7 +7336,9 @@
         <p:txBody>
           <a:bodyPr wrap="square" lIns="0" tIns="0" rIns="0" bIns="0" rtlCol="0"/>
           <a:lstStyle/>
-          <a:p/>
+          <a:p>
+            <a:endParaRPr/>
+          </a:p>
         </p:txBody>
       </p:sp>
       <p:sp>
@@ -7513,11 +7558,6 @@
               </a:rPr>
               <a:t>Defaults</a:t>
             </a:r>
-            <a:endParaRPr spc="-50" dirty="0">
-              <a:solidFill>
-                <a:srgbClr val="404040"/>
-              </a:solidFill>
-            </a:endParaRPr>
           </a:p>
         </p:txBody>
       </p:sp>
@@ -7534,9 +7574,11 @@
         <p:spPr/>
         <p:txBody>
           <a:bodyPr/>
+          <a:lstStyle/>
           <a:p>
             <a:fld id="{B6F15528-21DE-4FAA-801E-634DDDAF4B2B}" type="slidenum">
               <a:rPr/>
+              <a:t>7</a:t>
             </a:fld>
             <a:endParaRPr/>
           </a:p>
@@ -7574,7 +7616,7 @@
           <p:nvPr/>
         </p:nvPicPr>
         <p:blipFill>
-          <a:blip r:embed="rId1" cstate="print"/>
+          <a:blip r:embed="rId2" cstate="print"/>
           <a:stretch>
             <a:fillRect/>
           </a:stretch>
@@ -7642,7 +7684,6 @@
               <a:rPr spc="235" dirty="0"/>
               <a:t>JPA</a:t>
             </a:r>
-            <a:endParaRPr spc="235" dirty="0"/>
           </a:p>
         </p:txBody>
       </p:sp>
@@ -7659,9 +7700,11 @@
         <p:spPr/>
         <p:txBody>
           <a:bodyPr/>
+          <a:lstStyle/>
           <a:p>
             <a:fld id="{B6F15528-21DE-4FAA-801E-634DDDAF4B2B}" type="slidenum">
               <a:rPr/>
+              <a:t>8</a:t>
             </a:fld>
             <a:endParaRPr/>
           </a:p>
@@ -7765,11 +7808,6 @@
               </a:rPr>
               <a:t>JPA</a:t>
             </a:r>
-            <a:endParaRPr spc="229" dirty="0">
-              <a:solidFill>
-                <a:srgbClr val="404040"/>
-              </a:solidFill>
-            </a:endParaRPr>
           </a:p>
         </p:txBody>
       </p:sp>
@@ -7927,7 +7965,9 @@
         <p:txBody>
           <a:bodyPr wrap="square" lIns="0" tIns="0" rIns="0" bIns="0" rtlCol="0"/>
           <a:lstStyle/>
-          <a:p/>
+          <a:p>
+            <a:endParaRPr/>
+          </a:p>
         </p:txBody>
       </p:sp>
       <p:sp>
@@ -8146,7 +8186,7 @@
             <p:nvPr/>
           </p:nvPicPr>
           <p:blipFill>
-            <a:blip r:embed="rId1" cstate="print"/>
+            <a:blip r:embed="rId2" cstate="print"/>
             <a:stretch>
               <a:fillRect/>
             </a:stretch>
@@ -8284,7 +8324,9 @@
           <p:txBody>
             <a:bodyPr wrap="square" lIns="0" tIns="0" rIns="0" bIns="0" rtlCol="0"/>
             <a:lstStyle/>
-            <a:p/>
+            <a:p>
+              <a:endParaRPr/>
+            </a:p>
           </p:txBody>
         </p:sp>
       </p:grpSp>
@@ -8295,7 +8337,7 @@
           <p:nvPr/>
         </p:nvPicPr>
         <p:blipFill>
-          <a:blip r:embed="rId2" cstate="print"/>
+          <a:blip r:embed="rId3" cstate="print"/>
           <a:stretch>
             <a:fillRect/>
           </a:stretch>
@@ -8323,9 +8365,11 @@
         <p:spPr/>
         <p:txBody>
           <a:bodyPr/>
+          <a:lstStyle/>
           <a:p>
             <a:fld id="{B6F15528-21DE-4FAA-801E-634DDDAF4B2B}" type="slidenum">
               <a:rPr/>
+              <a:t>9</a:t>
             </a:fld>
             <a:endParaRPr/>
           </a:p>
@@ -8617,6 +8661,8 @@
       </a:bgFillStyleLst>
     </a:fmtScheme>
   </a:themeElements>
+  <a:objectDefaults/>
+  <a:extraClrSchemeLst/>
   <a:extLst>
     <a:ext uri="{05A4C25C-085E-4340-85A3-A5531E510DB2}">
       <thm15:themeFamily xmlns:thm15="http://schemas.microsoft.com/office/thememl/2012/main" name="Office Theme" id="{62F939B6-93AF-4DB8-9C6B-D6C7DFDC589F}" vid="{4A3C46E8-61CC-4603-A589-7422A47A8E4A}"/>
@@ -8876,6 +8922,8 @@
       </a:bgFillStyleLst>
     </a:fmtScheme>
   </a:themeElements>
+  <a:objectDefaults/>
+  <a:extraClrSchemeLst/>
   <a:extLst>
     <a:ext uri="{05A4C25C-085E-4340-85A3-A5531E510DB2}">
       <thm15:themeFamily xmlns:thm15="http://schemas.microsoft.com/office/thememl/2012/main" name="Office Theme" id="{62F939B6-93AF-4DB8-9C6B-D6C7DFDC589F}" vid="{4A3C46E8-61CC-4603-A589-7422A47A8E4A}"/>
